--- a/slide/part0.pptx
+++ b/slide/part0.pptx
@@ -3473,14 +3473,6 @@
               </a:rPr>
               <a:t>git</a:t>
             </a:r>
-            <a:r>
-              <a:rPr lang="en-US" altLang="ja-JP" sz="8000" b="1" dirty="0">
-                <a:latin typeface="Gen Shin Gothic" panose="020B0402020203020207" pitchFamily="34" charset="-128"/>
-                <a:ea typeface="Gen Shin Gothic" panose="020B0402020203020207" pitchFamily="34" charset="-128"/>
-                <a:cs typeface="Gen Shin Gothic" panose="020B0402020203020207" pitchFamily="34" charset="-128"/>
-              </a:rPr>
-              <a:t/>
-            </a:r>
             <a:br>
               <a:rPr lang="en-US" altLang="ja-JP" sz="8000" b="1" dirty="0">
                 <a:latin typeface="Gen Shin Gothic" panose="020B0402020203020207" pitchFamily="34" charset="-128"/>
@@ -3653,26 +3645,7 @@
                 <a:ea typeface="Gen Shin Gothic" panose="020B0402020203020207" pitchFamily="34" charset="-128"/>
                 <a:cs typeface="Gen Shin Gothic" panose="020B0402020203020207" pitchFamily="34" charset="-128"/>
               </a:rPr>
-              <a:t>art </a:t>
-            </a:r>
-            <a:r>
-              <a:rPr kumimoji="1" lang="en-US" altLang="ja-JP" sz="8000" b="1" dirty="0" smtClean="0">
-                <a:solidFill>
-                  <a:schemeClr val="accent2"/>
-                </a:solidFill>
-                <a:latin typeface="Gen Shin Gothic" panose="020B0402020203020207" pitchFamily="34" charset="-128"/>
-                <a:ea typeface="Gen Shin Gothic" panose="020B0402020203020207" pitchFamily="34" charset="-128"/>
-                <a:cs typeface="Gen Shin Gothic" panose="020B0402020203020207" pitchFamily="34" charset="-128"/>
-              </a:rPr>
-              <a:t>0</a:t>
-            </a:r>
-            <a:r>
-              <a:rPr kumimoji="1" lang="en-US" altLang="ja-JP" sz="8000" b="1" dirty="0">
-                <a:latin typeface="Gen Shin Gothic" panose="020B0402020203020207" pitchFamily="34" charset="-128"/>
-                <a:ea typeface="Gen Shin Gothic" panose="020B0402020203020207" pitchFamily="34" charset="-128"/>
-                <a:cs typeface="Gen Shin Gothic" panose="020B0402020203020207" pitchFamily="34" charset="-128"/>
-              </a:rPr>
-              <a:t/>
+              <a:t>art 0</a:t>
             </a:r>
             <a:br>
               <a:rPr kumimoji="1" lang="en-US" altLang="ja-JP" sz="8000" b="1" dirty="0">
@@ -3682,14 +3655,14 @@
               </a:rPr>
             </a:br>
             <a:r>
-              <a:rPr lang="ja-JP" altLang="en-US" sz="8000" b="1" dirty="0">
+              <a:rPr lang="ja-JP" altLang="en-US" sz="6600" b="1" dirty="0">
                 <a:latin typeface="Gen Shin Gothic" panose="020B0402020203020207" pitchFamily="34" charset="-128"/>
                 <a:ea typeface="Gen Shin Gothic" panose="020B0402020203020207" pitchFamily="34" charset="-128"/>
                 <a:cs typeface="Gen Shin Gothic" panose="020B0402020203020207" pitchFamily="34" charset="-128"/>
               </a:rPr>
               <a:t>イントロダクション</a:t>
             </a:r>
-            <a:endParaRPr kumimoji="1" lang="ja-JP" altLang="en-US" sz="8000" b="1" dirty="0">
+            <a:endParaRPr kumimoji="1" lang="ja-JP" altLang="en-US" sz="6600" b="1" dirty="0">
               <a:latin typeface="Gen Shin Gothic" panose="020B0402020203020207" pitchFamily="34" charset="-128"/>
               <a:ea typeface="Gen Shin Gothic" panose="020B0402020203020207" pitchFamily="34" charset="-128"/>
               <a:cs typeface="Gen Shin Gothic" panose="020B0402020203020207" pitchFamily="34" charset="-128"/>
@@ -3829,15 +3802,7 @@
                 <a:ea typeface="Gen Shin Gothic Medium" panose="020B0402020203020207" pitchFamily="34" charset="-128"/>
                 <a:cs typeface="Gen Shin Gothic Medium" panose="020B0402020203020207" pitchFamily="34" charset="-128"/>
               </a:rPr>
-              <a:t>だいたいまずこうなるよ</a:t>
-            </a:r>
-            <a:r>
-              <a:rPr lang="ja-JP" altLang="en-US" dirty="0" smtClean="0">
-                <a:latin typeface="Gen Shin Gothic Medium" panose="020B0402020203020207" pitchFamily="34" charset="-128"/>
-                <a:ea typeface="Gen Shin Gothic Medium" panose="020B0402020203020207" pitchFamily="34" charset="-128"/>
-                <a:cs typeface="Gen Shin Gothic Medium" panose="020B0402020203020207" pitchFamily="34" charset="-128"/>
-              </a:rPr>
-              <a:t>ね</a:t>
+              <a:t>だいたいまずこうなるよね</a:t>
             </a:r>
             <a:endParaRPr kumimoji="1" lang="ja-JP" altLang="en-US" dirty="0">
               <a:latin typeface="Gen Shin Gothic Medium" panose="020B0402020203020207" pitchFamily="34" charset="-128"/>
@@ -4274,18 +4239,13 @@
               </a:rPr>
               <a:t>iikanji_20180712.css </a:t>
             </a:r>
-            <a:endParaRPr lang="en-US" altLang="ja-JP" sz="2400" dirty="0" smtClean="0">
-              <a:latin typeface="Gen Shin Gothic Medium" panose="020B0402020203020207" pitchFamily="34" charset="-128"/>
-              <a:ea typeface="Gen Shin Gothic Medium" panose="020B0402020203020207" pitchFamily="34" charset="-128"/>
-              <a:cs typeface="Gen Shin Gothic Medium" panose="020B0402020203020207" pitchFamily="34" charset="-128"/>
-            </a:endParaRPr>
           </a:p>
           <a:p>
             <a:pPr marL="0" indent="0">
               <a:buNone/>
             </a:pPr>
             <a:r>
-              <a:rPr lang="en-US" altLang="ja-JP" sz="2400" dirty="0" smtClean="0">
+              <a:rPr lang="en-US" altLang="ja-JP" sz="2400" dirty="0">
                 <a:latin typeface="Gen Shin Gothic Medium" panose="020B0402020203020207" pitchFamily="34" charset="-128"/>
                 <a:ea typeface="Gen Shin Gothic Medium" panose="020B0402020203020207" pitchFamily="34" charset="-128"/>
                 <a:cs typeface="Gen Shin Gothic Medium" panose="020B0402020203020207" pitchFamily="34" charset="-128"/>
@@ -4293,7 +4253,7 @@
               <a:t>iikanji_20180712(2).</a:t>
             </a:r>
             <a:r>
-              <a:rPr lang="en-US" altLang="ja-JP" sz="2400" dirty="0" err="1" smtClean="0">
+              <a:rPr lang="en-US" altLang="ja-JP" sz="2400" dirty="0" err="1">
                 <a:latin typeface="Gen Shin Gothic Medium" panose="020B0402020203020207" pitchFamily="34" charset="-128"/>
                 <a:ea typeface="Gen Shin Gothic Medium" panose="020B0402020203020207" pitchFamily="34" charset="-128"/>
                 <a:cs typeface="Gen Shin Gothic Medium" panose="020B0402020203020207" pitchFamily="34" charset="-128"/>
@@ -4311,7 +4271,7 @@
               <a:buNone/>
             </a:pPr>
             <a:r>
-              <a:rPr lang="en-US" altLang="ja-JP" sz="2400" dirty="0" smtClean="0">
+              <a:rPr lang="en-US" altLang="ja-JP" sz="2400" dirty="0">
                 <a:latin typeface="Gen Shin Gothic Medium" panose="020B0402020203020207" pitchFamily="34" charset="-128"/>
                 <a:ea typeface="Gen Shin Gothic Medium" panose="020B0402020203020207" pitchFamily="34" charset="-128"/>
                 <a:cs typeface="Gen Shin Gothic Medium" panose="020B0402020203020207" pitchFamily="34" charset="-128"/>
@@ -4319,7 +4279,7 @@
               <a:t>iikanji_20180712_</a:t>
             </a:r>
             <a:r>
-              <a:rPr lang="ja-JP" altLang="en-US" sz="2400" dirty="0" smtClean="0">
+              <a:rPr lang="ja-JP" altLang="en-US" sz="2400" dirty="0">
                 <a:latin typeface="Gen Shin Gothic Medium" panose="020B0402020203020207" pitchFamily="34" charset="-128"/>
                 <a:ea typeface="Gen Shin Gothic Medium" panose="020B0402020203020207" pitchFamily="34" charset="-128"/>
                 <a:cs typeface="Gen Shin Gothic Medium" panose="020B0402020203020207" pitchFamily="34" charset="-128"/>
@@ -4327,67 +4287,51 @@
               <a:t>完成</a:t>
             </a:r>
             <a:r>
-              <a:rPr lang="en-US" altLang="ja-JP" sz="2400" dirty="0" smtClean="0">
-                <a:latin typeface="Gen Shin Gothic Medium" panose="020B0402020203020207" pitchFamily="34" charset="-128"/>
-                <a:ea typeface="Gen Shin Gothic Medium" panose="020B0402020203020207" pitchFamily="34" charset="-128"/>
-                <a:cs typeface="Gen Shin Gothic Medium" panose="020B0402020203020207" pitchFamily="34" charset="-128"/>
-              </a:rPr>
-              <a:t>.</a:t>
-            </a:r>
-            <a:r>
               <a:rPr lang="en-US" altLang="ja-JP" sz="2400" dirty="0">
                 <a:latin typeface="Gen Shin Gothic Medium" panose="020B0402020203020207" pitchFamily="34" charset="-128"/>
                 <a:ea typeface="Gen Shin Gothic Medium" panose="020B0402020203020207" pitchFamily="34" charset="-128"/>
                 <a:cs typeface="Gen Shin Gothic Medium" panose="020B0402020203020207" pitchFamily="34" charset="-128"/>
               </a:rPr>
+              <a:t>.css</a:t>
+            </a:r>
+          </a:p>
+          <a:p>
+            <a:pPr marL="0" indent="0">
+              <a:buNone/>
+            </a:pPr>
+            <a:r>
+              <a:rPr lang="en-US" altLang="ja-JP" sz="2400" dirty="0">
+                <a:latin typeface="Gen Shin Gothic Medium" panose="020B0402020203020207" pitchFamily="34" charset="-128"/>
+                <a:ea typeface="Gen Shin Gothic Medium" panose="020B0402020203020207" pitchFamily="34" charset="-128"/>
+                <a:cs typeface="Gen Shin Gothic Medium" panose="020B0402020203020207" pitchFamily="34" charset="-128"/>
+              </a:rPr>
+              <a:t>iikanji_20180712_</a:t>
+            </a:r>
+            <a:r>
+              <a:rPr lang="ja-JP" altLang="en-US" sz="2400" dirty="0">
+                <a:latin typeface="Gen Shin Gothic Medium" panose="020B0402020203020207" pitchFamily="34" charset="-128"/>
+                <a:ea typeface="Gen Shin Gothic Medium" panose="020B0402020203020207" pitchFamily="34" charset="-128"/>
+                <a:cs typeface="Gen Shin Gothic Medium" panose="020B0402020203020207" pitchFamily="34" charset="-128"/>
+              </a:rPr>
+              <a:t>完成</a:t>
+            </a:r>
+            <a:r>
+              <a:rPr lang="en-US" altLang="ja-JP" sz="2400" dirty="0">
+                <a:latin typeface="Gen Shin Gothic Medium" panose="020B0402020203020207" pitchFamily="34" charset="-128"/>
+                <a:ea typeface="Gen Shin Gothic Medium" panose="020B0402020203020207" pitchFamily="34" charset="-128"/>
+                <a:cs typeface="Gen Shin Gothic Medium" panose="020B0402020203020207" pitchFamily="34" charset="-128"/>
+              </a:rPr>
+              <a:t>(2).</a:t>
+            </a:r>
+            <a:r>
+              <a:rPr lang="en-US" altLang="ja-JP" sz="2400" dirty="0" err="1">
+                <a:latin typeface="Gen Shin Gothic Medium" panose="020B0402020203020207" pitchFamily="34" charset="-128"/>
+                <a:ea typeface="Gen Shin Gothic Medium" panose="020B0402020203020207" pitchFamily="34" charset="-128"/>
+                <a:cs typeface="Gen Shin Gothic Medium" panose="020B0402020203020207" pitchFamily="34" charset="-128"/>
+              </a:rPr>
               <a:t>css</a:t>
             </a:r>
-          </a:p>
-          <a:p>
-            <a:pPr marL="0" indent="0">
-              <a:buNone/>
-            </a:pPr>
-            <a:r>
-              <a:rPr lang="en-US" altLang="ja-JP" sz="2400" dirty="0" smtClean="0">
-                <a:latin typeface="Gen Shin Gothic Medium" panose="020B0402020203020207" pitchFamily="34" charset="-128"/>
-                <a:ea typeface="Gen Shin Gothic Medium" panose="020B0402020203020207" pitchFamily="34" charset="-128"/>
-                <a:cs typeface="Gen Shin Gothic Medium" panose="020B0402020203020207" pitchFamily="34" charset="-128"/>
-              </a:rPr>
-              <a:t>iikanji_20180712_</a:t>
-            </a:r>
-            <a:r>
-              <a:rPr lang="ja-JP" altLang="en-US" sz="2400" dirty="0" smtClean="0">
-                <a:latin typeface="Gen Shin Gothic Medium" panose="020B0402020203020207" pitchFamily="34" charset="-128"/>
-                <a:ea typeface="Gen Shin Gothic Medium" panose="020B0402020203020207" pitchFamily="34" charset="-128"/>
-                <a:cs typeface="Gen Shin Gothic Medium" panose="020B0402020203020207" pitchFamily="34" charset="-128"/>
-              </a:rPr>
-              <a:t>完成</a:t>
-            </a:r>
-            <a:r>
-              <a:rPr lang="en-US" altLang="ja-JP" sz="2400" dirty="0" smtClean="0">
-                <a:latin typeface="Gen Shin Gothic Medium" panose="020B0402020203020207" pitchFamily="34" charset="-128"/>
-                <a:ea typeface="Gen Shin Gothic Medium" panose="020B0402020203020207" pitchFamily="34" charset="-128"/>
-                <a:cs typeface="Gen Shin Gothic Medium" panose="020B0402020203020207" pitchFamily="34" charset="-128"/>
-              </a:rPr>
-              <a:t>(</a:t>
-            </a:r>
-            <a:r>
-              <a:rPr lang="en-US" altLang="ja-JP" sz="2400" dirty="0">
-                <a:latin typeface="Gen Shin Gothic Medium" panose="020B0402020203020207" pitchFamily="34" charset="-128"/>
-                <a:ea typeface="Gen Shin Gothic Medium" panose="020B0402020203020207" pitchFamily="34" charset="-128"/>
-                <a:cs typeface="Gen Shin Gothic Medium" panose="020B0402020203020207" pitchFamily="34" charset="-128"/>
-              </a:rPr>
-              <a:t>2).</a:t>
-            </a:r>
-            <a:r>
-              <a:rPr lang="en-US" altLang="ja-JP" sz="2400" dirty="0" err="1" smtClean="0">
-                <a:latin typeface="Gen Shin Gothic Medium" panose="020B0402020203020207" pitchFamily="34" charset="-128"/>
-                <a:ea typeface="Gen Shin Gothic Medium" panose="020B0402020203020207" pitchFamily="34" charset="-128"/>
-                <a:cs typeface="Gen Shin Gothic Medium" panose="020B0402020203020207" pitchFamily="34" charset="-128"/>
-              </a:rPr>
-              <a:t>css</a:t>
-            </a:r>
-            <a:endParaRPr lang="en-US" altLang="ja-JP" sz="2400" dirty="0" smtClean="0">
+            <a:endParaRPr lang="en-US" altLang="ja-JP" sz="2400" dirty="0">
               <a:latin typeface="Gen Shin Gothic Medium" panose="020B0402020203020207" pitchFamily="34" charset="-128"/>
               <a:ea typeface="Gen Shin Gothic Medium" panose="020B0402020203020207" pitchFamily="34" charset="-128"/>
               <a:cs typeface="Gen Shin Gothic Medium" panose="020B0402020203020207" pitchFamily="34" charset="-128"/>
@@ -4422,7 +4366,7 @@
               <a:t>.</a:t>
             </a:r>
             <a:r>
-              <a:rPr lang="en-US" altLang="ja-JP" sz="2400" dirty="0" err="1" smtClean="0">
+              <a:rPr lang="en-US" altLang="ja-JP" sz="2400" dirty="0" err="1">
                 <a:latin typeface="Gen Shin Gothic Medium" panose="020B0402020203020207" pitchFamily="34" charset="-128"/>
                 <a:ea typeface="Gen Shin Gothic Medium" panose="020B0402020203020207" pitchFamily="34" charset="-128"/>
                 <a:cs typeface="Gen Shin Gothic Medium" panose="020B0402020203020207" pitchFamily="34" charset="-128"/>
@@ -4594,17 +4538,9 @@
                 <a:ea typeface="Gen Shin Gothic Medium" panose="020B0402020203020207" pitchFamily="34" charset="-128"/>
                 <a:cs typeface="Gen Shin Gothic Medium" panose="020B0402020203020207" pitchFamily="34" charset="-128"/>
               </a:rPr>
-              <a:t>を導入すること</a:t>
-            </a:r>
-            <a:r>
-              <a:rPr lang="ja-JP" altLang="en-US" dirty="0" smtClean="0">
-                <a:latin typeface="Gen Shin Gothic Medium" panose="020B0402020203020207" pitchFamily="34" charset="-128"/>
-                <a:ea typeface="Gen Shin Gothic Medium" panose="020B0402020203020207" pitchFamily="34" charset="-128"/>
-                <a:cs typeface="Gen Shin Gothic Medium" panose="020B0402020203020207" pitchFamily="34" charset="-128"/>
-              </a:rPr>
-              <a:t>で</a:t>
-            </a:r>
-            <a:endParaRPr lang="en-US" altLang="ja-JP" dirty="0" smtClean="0">
+              <a:t>を導入することで</a:t>
+            </a:r>
+            <a:endParaRPr lang="en-US" altLang="ja-JP" dirty="0">
               <a:latin typeface="Gen Shin Gothic Medium" panose="020B0402020203020207" pitchFamily="34" charset="-128"/>
               <a:ea typeface="Gen Shin Gothic Medium" panose="020B0402020203020207" pitchFamily="34" charset="-128"/>
               <a:cs typeface="Gen Shin Gothic Medium" panose="020B0402020203020207" pitchFamily="34" charset="-128"/>
@@ -4617,14 +4553,14 @@
               </a:lnSpc>
             </a:pPr>
             <a:r>
-              <a:rPr lang="ja-JP" altLang="en-US" dirty="0" smtClean="0">
+              <a:rPr lang="ja-JP" altLang="en-US" dirty="0">
                 <a:latin typeface="Gen Shin Gothic Medium" panose="020B0402020203020207" pitchFamily="34" charset="-128"/>
                 <a:ea typeface="Gen Shin Gothic Medium" panose="020B0402020203020207" pitchFamily="34" charset="-128"/>
                 <a:cs typeface="Gen Shin Gothic Medium" panose="020B0402020203020207" pitchFamily="34" charset="-128"/>
               </a:rPr>
               <a:t>コピペバージョン管理が要らない</a:t>
             </a:r>
-            <a:endParaRPr lang="en-US" altLang="ja-JP" dirty="0" smtClean="0">
+            <a:endParaRPr lang="en-US" altLang="ja-JP" dirty="0">
               <a:latin typeface="Gen Shin Gothic Medium" panose="020B0402020203020207" pitchFamily="34" charset="-128"/>
               <a:ea typeface="Gen Shin Gothic Medium" panose="020B0402020203020207" pitchFamily="34" charset="-128"/>
               <a:cs typeface="Gen Shin Gothic Medium" panose="020B0402020203020207" pitchFamily="34" charset="-128"/>
@@ -4637,14 +4573,29 @@
               </a:lnSpc>
             </a:pPr>
             <a:r>
-              <a:rPr lang="ja-JP" altLang="en-US" dirty="0" smtClean="0">
+              <a:rPr lang="ja-JP" altLang="en-US" dirty="0">
                 <a:latin typeface="Gen Shin Gothic Medium" panose="020B0402020203020207" pitchFamily="34" charset="-128"/>
                 <a:ea typeface="Gen Shin Gothic Medium" panose="020B0402020203020207" pitchFamily="34" charset="-128"/>
                 <a:cs typeface="Gen Shin Gothic Medium" panose="020B0402020203020207" pitchFamily="34" charset="-128"/>
               </a:rPr>
               <a:t>バージョン間の時系列も分かる</a:t>
             </a:r>
-            <a:endParaRPr lang="ja-JP" altLang="en-US" dirty="0">
+          </a:p>
+          <a:p>
+            <a:pPr marL="461963" indent="-234950">
+              <a:lnSpc>
+                <a:spcPct val="150000"/>
+              </a:lnSpc>
+            </a:pPr>
+            <a:r>
+              <a:rPr lang="ja-JP" altLang="en-US" dirty="0">
+                <a:latin typeface="Gen Shin Gothic Medium" panose="020B0402020203020207" pitchFamily="34" charset="-128"/>
+                <a:ea typeface="Gen Shin Gothic Medium" panose="020B0402020203020207" pitchFamily="34" charset="-128"/>
+                <a:cs typeface="Gen Shin Gothic Medium" panose="020B0402020203020207" pitchFamily="34" charset="-128"/>
+              </a:rPr>
+              <a:t>バージョン間の差分を確認できる</a:t>
+            </a:r>
+            <a:endParaRPr lang="en-US" altLang="ja-JP" dirty="0">
               <a:latin typeface="Gen Shin Gothic Medium" panose="020B0402020203020207" pitchFamily="34" charset="-128"/>
               <a:ea typeface="Gen Shin Gothic Medium" panose="020B0402020203020207" pitchFamily="34" charset="-128"/>
               <a:cs typeface="Gen Shin Gothic Medium" panose="020B0402020203020207" pitchFamily="34" charset="-128"/>
@@ -4657,30 +4608,14 @@
               </a:lnSpc>
             </a:pPr>
             <a:r>
-              <a:rPr lang="ja-JP" altLang="en-US" dirty="0" smtClean="0">
-                <a:latin typeface="Gen Shin Gothic Medium" panose="020B0402020203020207" pitchFamily="34" charset="-128"/>
-                <a:ea typeface="Gen Shin Gothic Medium" panose="020B0402020203020207" pitchFamily="34" charset="-128"/>
-                <a:cs typeface="Gen Shin Gothic Medium" panose="020B0402020203020207" pitchFamily="34" charset="-128"/>
-              </a:rPr>
-              <a:t>バージョン間</a:t>
-            </a:r>
-            <a:r>
               <a:rPr lang="ja-JP" altLang="en-US" dirty="0">
                 <a:latin typeface="Gen Shin Gothic Medium" panose="020B0402020203020207" pitchFamily="34" charset="-128"/>
                 <a:ea typeface="Gen Shin Gothic Medium" panose="020B0402020203020207" pitchFamily="34" charset="-128"/>
                 <a:cs typeface="Gen Shin Gothic Medium" panose="020B0402020203020207" pitchFamily="34" charset="-128"/>
               </a:rPr>
-              <a:t>の</a:t>
-            </a:r>
-            <a:r>
-              <a:rPr lang="ja-JP" altLang="en-US" dirty="0" smtClean="0">
-                <a:latin typeface="Gen Shin Gothic Medium" panose="020B0402020203020207" pitchFamily="34" charset="-128"/>
-                <a:ea typeface="Gen Shin Gothic Medium" panose="020B0402020203020207" pitchFamily="34" charset="-128"/>
-                <a:cs typeface="Gen Shin Gothic Medium" panose="020B0402020203020207" pitchFamily="34" charset="-128"/>
-              </a:rPr>
-              <a:t>差分を確認できる</a:t>
-            </a:r>
-            <a:endParaRPr lang="en-US" altLang="ja-JP" dirty="0" smtClean="0">
+              <a:t>複数の機能開発を平行して行いやすい</a:t>
+            </a:r>
+            <a:endParaRPr lang="en-US" altLang="ja-JP" dirty="0">
               <a:latin typeface="Gen Shin Gothic Medium" panose="020B0402020203020207" pitchFamily="34" charset="-128"/>
               <a:ea typeface="Gen Shin Gothic Medium" panose="020B0402020203020207" pitchFamily="34" charset="-128"/>
               <a:cs typeface="Gen Shin Gothic Medium" panose="020B0402020203020207" pitchFamily="34" charset="-128"/>
@@ -4693,62 +4628,13 @@
               </a:lnSpc>
             </a:pPr>
             <a:r>
-              <a:rPr lang="ja-JP" altLang="en-US" dirty="0" smtClean="0">
-                <a:latin typeface="Gen Shin Gothic Medium" panose="020B0402020203020207" pitchFamily="34" charset="-128"/>
-                <a:ea typeface="Gen Shin Gothic Medium" panose="020B0402020203020207" pitchFamily="34" charset="-128"/>
-                <a:cs typeface="Gen Shin Gothic Medium" panose="020B0402020203020207" pitchFamily="34" charset="-128"/>
-              </a:rPr>
-              <a:t>複数</a:t>
-            </a:r>
-            <a:r>
               <a:rPr lang="ja-JP" altLang="en-US" dirty="0">
                 <a:latin typeface="Gen Shin Gothic Medium" panose="020B0402020203020207" pitchFamily="34" charset="-128"/>
                 <a:ea typeface="Gen Shin Gothic Medium" panose="020B0402020203020207" pitchFamily="34" charset="-128"/>
                 <a:cs typeface="Gen Shin Gothic Medium" panose="020B0402020203020207" pitchFamily="34" charset="-128"/>
               </a:rPr>
-              <a:t>の機能開発を平行</a:t>
-            </a:r>
-            <a:r>
-              <a:rPr lang="ja-JP" altLang="en-US" dirty="0" smtClean="0">
-                <a:latin typeface="Gen Shin Gothic Medium" panose="020B0402020203020207" pitchFamily="34" charset="-128"/>
-                <a:ea typeface="Gen Shin Gothic Medium" panose="020B0402020203020207" pitchFamily="34" charset="-128"/>
-                <a:cs typeface="Gen Shin Gothic Medium" panose="020B0402020203020207" pitchFamily="34" charset="-128"/>
-              </a:rPr>
-              <a:t>して行いやすい</a:t>
-            </a:r>
-            <a:endParaRPr lang="en-US" altLang="ja-JP" dirty="0" smtClean="0">
-              <a:latin typeface="Gen Shin Gothic Medium" panose="020B0402020203020207" pitchFamily="34" charset="-128"/>
-              <a:ea typeface="Gen Shin Gothic Medium" panose="020B0402020203020207" pitchFamily="34" charset="-128"/>
-              <a:cs typeface="Gen Shin Gothic Medium" panose="020B0402020203020207" pitchFamily="34" charset="-128"/>
-            </a:endParaRPr>
-          </a:p>
-          <a:p>
-            <a:pPr marL="461963" indent="-234950">
-              <a:lnSpc>
-                <a:spcPct val="150000"/>
-              </a:lnSpc>
-            </a:pPr>
-            <a:r>
-              <a:rPr lang="ja-JP" altLang="en-US" dirty="0">
-                <a:latin typeface="Gen Shin Gothic Medium" panose="020B0402020203020207" pitchFamily="34" charset="-128"/>
-                <a:ea typeface="Gen Shin Gothic Medium" panose="020B0402020203020207" pitchFamily="34" charset="-128"/>
-                <a:cs typeface="Gen Shin Gothic Medium" panose="020B0402020203020207" pitchFamily="34" charset="-128"/>
-              </a:rPr>
-              <a:t>エンジニア</a:t>
-            </a:r>
-            <a:r>
-              <a:rPr lang="ja-JP" altLang="en-US" dirty="0" smtClean="0">
-                <a:latin typeface="Gen Shin Gothic Medium" panose="020B0402020203020207" pitchFamily="34" charset="-128"/>
-                <a:ea typeface="Gen Shin Gothic Medium" panose="020B0402020203020207" pitchFamily="34" charset="-128"/>
-                <a:cs typeface="Gen Shin Gothic Medium" panose="020B0402020203020207" pitchFamily="34" charset="-128"/>
-              </a:rPr>
-              <a:t>が非常に喜ぶ</a:t>
-            </a:r>
-            <a:endParaRPr lang="ja-JP" altLang="en-US" dirty="0">
-              <a:latin typeface="Gen Shin Gothic Medium" panose="020B0402020203020207" pitchFamily="34" charset="-128"/>
-              <a:ea typeface="Gen Shin Gothic Medium" panose="020B0402020203020207" pitchFamily="34" charset="-128"/>
-              <a:cs typeface="Gen Shin Gothic Medium" panose="020B0402020203020207" pitchFamily="34" charset="-128"/>
-            </a:endParaRPr>
+              <a:t>エンジニアが非常に喜ぶ</a:t>
+            </a:r>
           </a:p>
         </p:txBody>
       </p:sp>
@@ -4864,8 +4750,8 @@
         </p:nvSpPr>
         <p:spPr>
           <a:xfrm>
-            <a:off x="628650" y="1717401"/>
-            <a:ext cx="7996876" cy="2072174"/>
+            <a:off x="628650" y="1717400"/>
+            <a:ext cx="7996876" cy="4362123"/>
           </a:xfrm>
           <a:prstGeom prst="rect">
             <a:avLst/>
@@ -5042,7 +4928,7 @@
           <a:p>
             <a:pPr marL="282575" indent="-282575">
               <a:lnSpc>
-                <a:spcPct val="100000"/>
+                <a:spcPct val="150000"/>
               </a:lnSpc>
               <a:buClr>
                 <a:schemeClr val="tx1"/>
@@ -5050,7 +4936,7 @@
               <a:buNone/>
             </a:pPr>
             <a:r>
-              <a:rPr lang="en" altLang="ja-JP" dirty="0" smtClean="0">
+              <a:rPr lang="en" altLang="ja-JP" dirty="0">
                 <a:solidFill>
                   <a:schemeClr val="accent1"/>
                 </a:solidFill>
@@ -5061,7 +4947,7 @@
               <a:t>Command Line Interface</a:t>
             </a:r>
             <a:r>
-              <a:rPr lang="en-US" altLang="ja-JP" dirty="0" smtClean="0">
+              <a:rPr lang="en-US" altLang="ja-JP" dirty="0">
                 <a:solidFill>
                   <a:schemeClr val="accent1"/>
                 </a:solidFill>
@@ -5072,7 +4958,7 @@
               <a:t> </a:t>
             </a:r>
             <a:r>
-              <a:rPr lang="en-US" altLang="ja-JP" dirty="0" smtClean="0">
+              <a:rPr lang="en-US" altLang="ja-JP" dirty="0">
                 <a:latin typeface="Gen Shin Gothic Medium" panose="020B0402020203020207" pitchFamily="34" charset="-128"/>
                 <a:ea typeface="Gen Shin Gothic Medium" panose="020B0402020203020207" pitchFamily="34" charset="-128"/>
                 <a:cs typeface="Gen Shin Gothic Medium" panose="020B0402020203020207" pitchFamily="34" charset="-128"/>
@@ -5080,20 +4966,12 @@
               <a:t>:</a:t>
             </a:r>
             <a:r>
-              <a:rPr lang="en" altLang="ja-JP" dirty="0" smtClean="0">
+              <a:rPr lang="en" altLang="ja-JP" dirty="0">
                 <a:latin typeface="Gen Shin Gothic Medium" panose="020B0402020203020207" pitchFamily="34" charset="-128"/>
                 <a:ea typeface="Gen Shin Gothic Medium" panose="020B0402020203020207" pitchFamily="34" charset="-128"/>
                 <a:cs typeface="Gen Shin Gothic Medium" panose="020B0402020203020207" pitchFamily="34" charset="-128"/>
               </a:rPr>
               <a:t> </a:t>
-            </a:r>
-            <a:r>
-              <a:rPr lang="en" altLang="ja-JP" dirty="0">
-                <a:latin typeface="Gen Shin Gothic Medium" panose="020B0402020203020207" pitchFamily="34" charset="-128"/>
-                <a:ea typeface="Gen Shin Gothic Medium" panose="020B0402020203020207" pitchFamily="34" charset="-128"/>
-                <a:cs typeface="Gen Shin Gothic Medium" panose="020B0402020203020207" pitchFamily="34" charset="-128"/>
-              </a:rPr>
-              <a:t/>
             </a:r>
             <a:br>
               <a:rPr lang="en" altLang="ja-JP" dirty="0">
@@ -5103,30 +4981,14 @@
               </a:rPr>
             </a:br>
             <a:r>
-              <a:rPr lang="ja-JP" altLang="en-US" dirty="0" smtClean="0">
-                <a:latin typeface="Gen Shin Gothic Medium" panose="020B0402020203020207" pitchFamily="34" charset="-128"/>
-                <a:ea typeface="Gen Shin Gothic Medium" panose="020B0402020203020207" pitchFamily="34" charset="-128"/>
-                <a:cs typeface="Gen Shin Gothic Medium" panose="020B0402020203020207" pitchFamily="34" charset="-128"/>
-              </a:rPr>
-              <a:t>黒い</a:t>
-            </a:r>
-            <a:r>
               <a:rPr lang="ja-JP" altLang="en-US" dirty="0">
                 <a:latin typeface="Gen Shin Gothic Medium" panose="020B0402020203020207" pitchFamily="34" charset="-128"/>
                 <a:ea typeface="Gen Shin Gothic Medium" panose="020B0402020203020207" pitchFamily="34" charset="-128"/>
                 <a:cs typeface="Gen Shin Gothic Medium" panose="020B0402020203020207" pitchFamily="34" charset="-128"/>
               </a:rPr>
-              <a:t>画面でコマンド打って実行する</a:t>
-            </a:r>
-            <a:r>
-              <a:rPr lang="ja-JP" altLang="en-US" dirty="0" smtClean="0">
-                <a:latin typeface="Gen Shin Gothic Medium" panose="020B0402020203020207" pitchFamily="34" charset="-128"/>
-                <a:ea typeface="Gen Shin Gothic Medium" panose="020B0402020203020207" pitchFamily="34" charset="-128"/>
-                <a:cs typeface="Gen Shin Gothic Medium" panose="020B0402020203020207" pitchFamily="34" charset="-128"/>
-              </a:rPr>
-              <a:t>プログラム</a:t>
-            </a:r>
-            <a:endParaRPr lang="en-US" altLang="ja-JP" dirty="0" smtClean="0">
+              <a:t>黒い画面でコマンド打って実行するプログラム</a:t>
+            </a:r>
+            <a:endParaRPr lang="en-US" altLang="ja-JP" dirty="0">
               <a:latin typeface="Gen Shin Gothic Medium" panose="020B0402020203020207" pitchFamily="34" charset="-128"/>
               <a:ea typeface="Gen Shin Gothic Medium" panose="020B0402020203020207" pitchFamily="34" charset="-128"/>
               <a:cs typeface="Gen Shin Gothic Medium" panose="020B0402020203020207" pitchFamily="34" charset="-128"/>
@@ -5135,7 +4997,7 @@
           <a:p>
             <a:pPr marL="282575" indent="-282575">
               <a:lnSpc>
-                <a:spcPct val="100000"/>
+                <a:spcPct val="150000"/>
               </a:lnSpc>
               <a:buClr>
                 <a:schemeClr val="tx1"/>
@@ -5143,7 +5005,7 @@
               <a:buNone/>
             </a:pPr>
             <a:r>
-              <a:rPr lang="en" altLang="ja-JP" dirty="0" smtClean="0">
+              <a:rPr lang="en-US" altLang="ja-JP" dirty="0">
                 <a:solidFill>
                   <a:schemeClr val="accent1"/>
                 </a:solidFill>
@@ -5151,37 +5013,7 @@
                 <a:ea typeface="Gen Shin Gothic Medium" panose="020B0402020203020207" pitchFamily="34" charset="-128"/>
                 <a:cs typeface="Gen Shin Gothic Medium" panose="020B0402020203020207" pitchFamily="34" charset="-128"/>
               </a:rPr>
-              <a:t>G</a:t>
-            </a:r>
-            <a:r>
-              <a:rPr lang="en-US" altLang="ja-JP" dirty="0" err="1">
-                <a:solidFill>
-                  <a:schemeClr val="accent1"/>
-                </a:solidFill>
-                <a:latin typeface="Gen Shin Gothic Medium" panose="020B0402020203020207" pitchFamily="34" charset="-128"/>
-                <a:ea typeface="Gen Shin Gothic Medium" panose="020B0402020203020207" pitchFamily="34" charset="-128"/>
-                <a:cs typeface="Gen Shin Gothic Medium" panose="020B0402020203020207" pitchFamily="34" charset="-128"/>
-              </a:rPr>
-              <a:t>raphical</a:t>
-            </a:r>
-            <a:r>
-              <a:rPr lang="en-US" altLang="ja-JP" dirty="0">
-                <a:solidFill>
-                  <a:schemeClr val="accent1"/>
-                </a:solidFill>
-                <a:latin typeface="Gen Shin Gothic Medium" panose="020B0402020203020207" pitchFamily="34" charset="-128"/>
-                <a:ea typeface="Gen Shin Gothic Medium" panose="020B0402020203020207" pitchFamily="34" charset="-128"/>
-                <a:cs typeface="Gen Shin Gothic Medium" panose="020B0402020203020207" pitchFamily="34" charset="-128"/>
-              </a:rPr>
-              <a:t> User Interface</a:t>
-            </a:r>
-            <a:r>
-              <a:rPr lang="en" altLang="ja-JP" dirty="0" smtClean="0">
-                <a:latin typeface="Gen Shin Gothic Medium" panose="020B0402020203020207" pitchFamily="34" charset="-128"/>
-                <a:ea typeface="Gen Shin Gothic Medium" panose="020B0402020203020207" pitchFamily="34" charset="-128"/>
-                <a:cs typeface="Gen Shin Gothic Medium" panose="020B0402020203020207" pitchFamily="34" charset="-128"/>
-              </a:rPr>
-              <a:t> </a:t>
+              <a:t>Graphical User Interface</a:t>
             </a:r>
             <a:r>
               <a:rPr lang="en" altLang="ja-JP" dirty="0">
@@ -5189,7 +5021,7 @@
                 <a:ea typeface="Gen Shin Gothic Medium" panose="020B0402020203020207" pitchFamily="34" charset="-128"/>
                 <a:cs typeface="Gen Shin Gothic Medium" panose="020B0402020203020207" pitchFamily="34" charset="-128"/>
               </a:rPr>
-              <a:t>: </a:t>
+              <a:t> : </a:t>
             </a:r>
             <a:br>
               <a:rPr lang="en" altLang="ja-JP" dirty="0">
@@ -5199,58 +5031,18 @@
               </a:rPr>
             </a:br>
             <a:r>
-              <a:rPr lang="ja-JP" altLang="en-US" dirty="0" smtClean="0">
-                <a:latin typeface="Gen Shin Gothic Medium" panose="020B0402020203020207" pitchFamily="34" charset="-128"/>
-                <a:ea typeface="Gen Shin Gothic Medium" panose="020B0402020203020207" pitchFamily="34" charset="-128"/>
-                <a:cs typeface="Gen Shin Gothic Medium" panose="020B0402020203020207" pitchFamily="34" charset="-128"/>
-              </a:rPr>
-              <a:t>操作画面</a:t>
-            </a:r>
-            <a:r>
               <a:rPr lang="ja-JP" altLang="en-US" dirty="0">
                 <a:latin typeface="Gen Shin Gothic Medium" panose="020B0402020203020207" pitchFamily="34" charset="-128"/>
                 <a:ea typeface="Gen Shin Gothic Medium" panose="020B0402020203020207" pitchFamily="34" charset="-128"/>
                 <a:cs typeface="Gen Shin Gothic Medium" panose="020B0402020203020207" pitchFamily="34" charset="-128"/>
               </a:rPr>
-              <a:t>で</a:t>
-            </a:r>
-            <a:r>
-              <a:rPr lang="ja-JP" altLang="en-US" dirty="0" smtClean="0">
-                <a:latin typeface="Gen Shin Gothic Medium" panose="020B0402020203020207" pitchFamily="34" charset="-128"/>
-                <a:ea typeface="Gen Shin Gothic Medium" panose="020B0402020203020207" pitchFamily="34" charset="-128"/>
-                <a:cs typeface="Gen Shin Gothic Medium" panose="020B0402020203020207" pitchFamily="34" charset="-128"/>
-              </a:rPr>
-              <a:t>グラフィカルに</a:t>
-            </a:r>
-            <a:r>
-              <a:rPr lang="ja-JP" altLang="en-US" dirty="0">
-                <a:latin typeface="Gen Shin Gothic Medium" panose="020B0402020203020207" pitchFamily="34" charset="-128"/>
-                <a:ea typeface="Gen Shin Gothic Medium" panose="020B0402020203020207" pitchFamily="34" charset="-128"/>
-                <a:cs typeface="Gen Shin Gothic Medium" panose="020B0402020203020207" pitchFamily="34" charset="-128"/>
-              </a:rPr>
-              <a:t>実行</a:t>
-            </a:r>
-            <a:r>
-              <a:rPr lang="ja-JP" altLang="en-US" dirty="0" smtClean="0">
-                <a:latin typeface="Gen Shin Gothic Medium" panose="020B0402020203020207" pitchFamily="34" charset="-128"/>
-                <a:ea typeface="Gen Shin Gothic Medium" panose="020B0402020203020207" pitchFamily="34" charset="-128"/>
-                <a:cs typeface="Gen Shin Gothic Medium" panose="020B0402020203020207" pitchFamily="34" charset="-128"/>
-              </a:rPr>
-              <a:t>する</a:t>
-            </a:r>
-            <a:r>
-              <a:rPr lang="ja-JP" altLang="en-US" dirty="0">
-                <a:latin typeface="Gen Shin Gothic Medium" panose="020B0402020203020207" pitchFamily="34" charset="-128"/>
-                <a:ea typeface="Gen Shin Gothic Medium" panose="020B0402020203020207" pitchFamily="34" charset="-128"/>
-                <a:cs typeface="Gen Shin Gothic Medium" panose="020B0402020203020207" pitchFamily="34" charset="-128"/>
-              </a:rPr>
-              <a:t>プログラム</a:t>
+              <a:t>操作画面でグラフィカルに実行するプログラム</a:t>
             </a:r>
           </a:p>
           <a:p>
             <a:pPr marL="0" indent="0">
               <a:lnSpc>
-                <a:spcPct val="100000"/>
+                <a:spcPct val="150000"/>
               </a:lnSpc>
               <a:buClr>
                 <a:schemeClr val="tx1"/>
@@ -5322,7 +5114,7 @@
           <a:lstStyle/>
           <a:p>
             <a:r>
-              <a:rPr lang="en-US" altLang="ja-JP" dirty="0" err="1">
+              <a:rPr lang="en-US" altLang="ja-JP" dirty="0">
                 <a:solidFill>
                   <a:schemeClr val="accent1"/>
                 </a:solidFill>
@@ -5574,20 +5366,12 @@
               <a:buNone/>
             </a:pPr>
             <a:r>
-              <a:rPr lang="en-US" altLang="ja-JP" dirty="0" err="1">
-                <a:latin typeface="Gen Shin Gothic Medium" panose="020B0402020203020207" pitchFamily="34" charset="-128"/>
-                <a:ea typeface="Gen Shin Gothic Medium" panose="020B0402020203020207" pitchFamily="34" charset="-128"/>
-                <a:cs typeface="Gen Shin Gothic Medium" panose="020B0402020203020207" pitchFamily="34" charset="-128"/>
-              </a:rPr>
-              <a:t>git</a:t>
-            </a:r>
-            <a:r>
               <a:rPr lang="en-US" altLang="ja-JP" dirty="0">
                 <a:latin typeface="Gen Shin Gothic Medium" panose="020B0402020203020207" pitchFamily="34" charset="-128"/>
                 <a:ea typeface="Gen Shin Gothic Medium" panose="020B0402020203020207" pitchFamily="34" charset="-128"/>
                 <a:cs typeface="Gen Shin Gothic Medium" panose="020B0402020203020207" pitchFamily="34" charset="-128"/>
               </a:rPr>
-              <a:t> </a:t>
+              <a:t>git </a:t>
             </a:r>
             <a:r>
               <a:rPr lang="ja-JP" altLang="en-US" dirty="0">
@@ -5611,105 +5395,7 @@
                 <a:ea typeface="Gen Shin Gothic Medium" panose="020B0402020203020207" pitchFamily="34" charset="-128"/>
                 <a:cs typeface="Gen Shin Gothic Medium" panose="020B0402020203020207" pitchFamily="34" charset="-128"/>
               </a:rPr>
-              <a:t>として開発</a:t>
-            </a:r>
-            <a:r>
-              <a:rPr lang="ja-JP" altLang="en-US" dirty="0" smtClean="0">
-                <a:latin typeface="Gen Shin Gothic Medium" panose="020B0402020203020207" pitchFamily="34" charset="-128"/>
-                <a:ea typeface="Gen Shin Gothic Medium" panose="020B0402020203020207" pitchFamily="34" charset="-128"/>
-                <a:cs typeface="Gen Shin Gothic Medium" panose="020B0402020203020207" pitchFamily="34" charset="-128"/>
-              </a:rPr>
-              <a:t>された</a:t>
-            </a:r>
-            <a:endParaRPr lang="en-US" altLang="ja-JP" dirty="0" smtClean="0">
-              <a:latin typeface="Gen Shin Gothic Medium" panose="020B0402020203020207" pitchFamily="34" charset="-128"/>
-              <a:ea typeface="Gen Shin Gothic Medium" panose="020B0402020203020207" pitchFamily="34" charset="-128"/>
-              <a:cs typeface="Gen Shin Gothic Medium" panose="020B0402020203020207" pitchFamily="34" charset="-128"/>
-            </a:endParaRPr>
-          </a:p>
-          <a:p>
-            <a:pPr marL="0" indent="0">
-              <a:buNone/>
-            </a:pPr>
-            <a:r>
-              <a:rPr lang="ja-JP" altLang="en-US" dirty="0" smtClean="0">
-                <a:latin typeface="Gen Shin Gothic Medium" panose="020B0402020203020207" pitchFamily="34" charset="-128"/>
-                <a:ea typeface="Gen Shin Gothic Medium" panose="020B0402020203020207" pitchFamily="34" charset="-128"/>
-                <a:cs typeface="Gen Shin Gothic Medium" panose="020B0402020203020207" pitchFamily="34" charset="-128"/>
-              </a:rPr>
-              <a:t>しかし </a:t>
-            </a:r>
-            <a:r>
-              <a:rPr lang="en-US" altLang="ja-JP" dirty="0" err="1" smtClean="0">
-                <a:latin typeface="Gen Shin Gothic Medium" panose="020B0402020203020207" pitchFamily="34" charset="-128"/>
-                <a:ea typeface="Gen Shin Gothic Medium" panose="020B0402020203020207" pitchFamily="34" charset="-128"/>
-                <a:cs typeface="Gen Shin Gothic Medium" panose="020B0402020203020207" pitchFamily="34" charset="-128"/>
-              </a:rPr>
-              <a:t>git</a:t>
-            </a:r>
-            <a:r>
-              <a:rPr lang="en-US" altLang="ja-JP" dirty="0" smtClean="0">
-                <a:latin typeface="Gen Shin Gothic Medium" panose="020B0402020203020207" pitchFamily="34" charset="-128"/>
-                <a:ea typeface="Gen Shin Gothic Medium" panose="020B0402020203020207" pitchFamily="34" charset="-128"/>
-                <a:cs typeface="Gen Shin Gothic Medium" panose="020B0402020203020207" pitchFamily="34" charset="-128"/>
-              </a:rPr>
-              <a:t> </a:t>
-            </a:r>
-            <a:r>
-              <a:rPr lang="ja-JP" altLang="en-US" dirty="0">
-                <a:latin typeface="Gen Shin Gothic Medium" panose="020B0402020203020207" pitchFamily="34" charset="-128"/>
-                <a:ea typeface="Gen Shin Gothic Medium" panose="020B0402020203020207" pitchFamily="34" charset="-128"/>
-                <a:cs typeface="Gen Shin Gothic Medium" panose="020B0402020203020207" pitchFamily="34" charset="-128"/>
-              </a:rPr>
-              <a:t>が広く</a:t>
-            </a:r>
-            <a:r>
-              <a:rPr lang="ja-JP" altLang="en-US" dirty="0" smtClean="0">
-                <a:latin typeface="Gen Shin Gothic Medium" panose="020B0402020203020207" pitchFamily="34" charset="-128"/>
-                <a:ea typeface="Gen Shin Gothic Medium" panose="020B0402020203020207" pitchFamily="34" charset="-128"/>
-                <a:cs typeface="Gen Shin Gothic Medium" panose="020B0402020203020207" pitchFamily="34" charset="-128"/>
-              </a:rPr>
-              <a:t>普及したため様々な </a:t>
-            </a:r>
-            <a:r>
-              <a:rPr lang="en-US" altLang="ja-JP" dirty="0" err="1" smtClean="0">
-                <a:latin typeface="Gen Shin Gothic Medium" panose="020B0402020203020207" pitchFamily="34" charset="-128"/>
-                <a:ea typeface="Gen Shin Gothic Medium" panose="020B0402020203020207" pitchFamily="34" charset="-128"/>
-                <a:cs typeface="Gen Shin Gothic Medium" panose="020B0402020203020207" pitchFamily="34" charset="-128"/>
-              </a:rPr>
-              <a:t>git</a:t>
-            </a:r>
-            <a:r>
-              <a:rPr lang="en-US" altLang="ja-JP" dirty="0" smtClean="0">
-                <a:latin typeface="Gen Shin Gothic Medium" panose="020B0402020203020207" pitchFamily="34" charset="-128"/>
-                <a:ea typeface="Gen Shin Gothic Medium" panose="020B0402020203020207" pitchFamily="34" charset="-128"/>
-                <a:cs typeface="Gen Shin Gothic Medium" panose="020B0402020203020207" pitchFamily="34" charset="-128"/>
-              </a:rPr>
-              <a:t> </a:t>
-            </a:r>
-            <a:r>
-              <a:rPr lang="ja-JP" altLang="en-US" dirty="0" smtClean="0">
-                <a:latin typeface="Gen Shin Gothic Medium" panose="020B0402020203020207" pitchFamily="34" charset="-128"/>
-                <a:ea typeface="Gen Shin Gothic Medium" panose="020B0402020203020207" pitchFamily="34" charset="-128"/>
-                <a:cs typeface="Gen Shin Gothic Medium" panose="020B0402020203020207" pitchFamily="34" charset="-128"/>
-              </a:rPr>
-              <a:t>の </a:t>
-            </a:r>
-            <a:r>
-              <a:rPr lang="en-US" altLang="ja-JP" dirty="0">
-                <a:latin typeface="Gen Shin Gothic Medium" panose="020B0402020203020207" pitchFamily="34" charset="-128"/>
-                <a:ea typeface="Gen Shin Gothic Medium" panose="020B0402020203020207" pitchFamily="34" charset="-128"/>
-                <a:cs typeface="Gen Shin Gothic Medium" panose="020B0402020203020207" pitchFamily="34" charset="-128"/>
-              </a:rPr>
-              <a:t>GUI </a:t>
-            </a:r>
-            <a:r>
-              <a:rPr lang="ja-JP" altLang="en-US" dirty="0" smtClean="0">
-                <a:latin typeface="Gen Shin Gothic Medium" panose="020B0402020203020207" pitchFamily="34" charset="-128"/>
-                <a:ea typeface="Gen Shin Gothic Medium" panose="020B0402020203020207" pitchFamily="34" charset="-128"/>
-                <a:cs typeface="Gen Shin Gothic Medium" panose="020B0402020203020207" pitchFamily="34" charset="-128"/>
-              </a:rPr>
-              <a:t>ツールもできた</a:t>
+              <a:t>として開発された</a:t>
             </a:r>
             <a:endParaRPr lang="en-US" altLang="ja-JP" dirty="0">
               <a:latin typeface="Gen Shin Gothic Medium" panose="020B0402020203020207" pitchFamily="34" charset="-128"/>
@@ -5718,34 +5404,64 @@
             </a:endParaRPr>
           </a:p>
           <a:p>
-            <a:pPr>
-              <a:lnSpc>
-                <a:spcPct val="150000"/>
-              </a:lnSpc>
+            <a:pPr marL="0" indent="0">
+              <a:buNone/>
             </a:pPr>
             <a:r>
-              <a:rPr lang="en-US" altLang="ja-JP" dirty="0" err="1" smtClean="0">
-                <a:latin typeface="Gen Shin Gothic Medium" panose="020B0402020203020207" pitchFamily="34" charset="-128"/>
-                <a:ea typeface="Gen Shin Gothic Medium" panose="020B0402020203020207" pitchFamily="34" charset="-128"/>
-                <a:cs typeface="Gen Shin Gothic Medium" panose="020B0402020203020207" pitchFamily="34" charset="-128"/>
-              </a:rPr>
-              <a:t>SourceTree</a:t>
-            </a:r>
-            <a:r>
-              <a:rPr lang="en-US" altLang="ja-JP" dirty="0" smtClean="0">
-                <a:latin typeface="Gen Shin Gothic Medium" panose="020B0402020203020207" pitchFamily="34" charset="-128"/>
-                <a:ea typeface="Gen Shin Gothic Medium" panose="020B0402020203020207" pitchFamily="34" charset="-128"/>
-                <a:cs typeface="Gen Shin Gothic Medium" panose="020B0402020203020207" pitchFamily="34" charset="-128"/>
-              </a:rPr>
-              <a:t> : </a:t>
-            </a:r>
-            <a:r>
-              <a:rPr lang="en-US" altLang="ja-JP" dirty="0" err="1" smtClean="0">
-                <a:latin typeface="Gen Shin Gothic Medium" panose="020B0402020203020207" pitchFamily="34" charset="-128"/>
-                <a:ea typeface="Gen Shin Gothic Medium" panose="020B0402020203020207" pitchFamily="34" charset="-128"/>
-                <a:cs typeface="Gen Shin Gothic Medium" panose="020B0402020203020207" pitchFamily="34" charset="-128"/>
-              </a:rPr>
-              <a:t>www.sourcetreeapp.com</a:t>
+              <a:rPr lang="ja-JP" altLang="en-US" dirty="0">
+                <a:latin typeface="Gen Shin Gothic Medium" panose="020B0402020203020207" pitchFamily="34" charset="-128"/>
+                <a:ea typeface="Gen Shin Gothic Medium" panose="020B0402020203020207" pitchFamily="34" charset="-128"/>
+                <a:cs typeface="Gen Shin Gothic Medium" panose="020B0402020203020207" pitchFamily="34" charset="-128"/>
+              </a:rPr>
+              <a:t>しかし </a:t>
+            </a:r>
+            <a:r>
+              <a:rPr lang="en-US" altLang="ja-JP" dirty="0">
+                <a:latin typeface="Gen Shin Gothic Medium" panose="020B0402020203020207" pitchFamily="34" charset="-128"/>
+                <a:ea typeface="Gen Shin Gothic Medium" panose="020B0402020203020207" pitchFamily="34" charset="-128"/>
+                <a:cs typeface="Gen Shin Gothic Medium" panose="020B0402020203020207" pitchFamily="34" charset="-128"/>
+              </a:rPr>
+              <a:t>git </a:t>
+            </a:r>
+            <a:r>
+              <a:rPr lang="ja-JP" altLang="en-US" dirty="0">
+                <a:latin typeface="Gen Shin Gothic Medium" panose="020B0402020203020207" pitchFamily="34" charset="-128"/>
+                <a:ea typeface="Gen Shin Gothic Medium" panose="020B0402020203020207" pitchFamily="34" charset="-128"/>
+                <a:cs typeface="Gen Shin Gothic Medium" panose="020B0402020203020207" pitchFamily="34" charset="-128"/>
+              </a:rPr>
+              <a:t>が広く普及したため様々な </a:t>
+            </a:r>
+            <a:r>
+              <a:rPr lang="en-US" altLang="ja-JP" dirty="0">
+                <a:latin typeface="Gen Shin Gothic Medium" panose="020B0402020203020207" pitchFamily="34" charset="-128"/>
+                <a:ea typeface="Gen Shin Gothic Medium" panose="020B0402020203020207" pitchFamily="34" charset="-128"/>
+                <a:cs typeface="Gen Shin Gothic Medium" panose="020B0402020203020207" pitchFamily="34" charset="-128"/>
+              </a:rPr>
+              <a:t>git </a:t>
+            </a:r>
+            <a:r>
+              <a:rPr lang="ja-JP" altLang="en-US" dirty="0">
+                <a:latin typeface="Gen Shin Gothic Medium" panose="020B0402020203020207" pitchFamily="34" charset="-128"/>
+                <a:ea typeface="Gen Shin Gothic Medium" panose="020B0402020203020207" pitchFamily="34" charset="-128"/>
+                <a:cs typeface="Gen Shin Gothic Medium" panose="020B0402020203020207" pitchFamily="34" charset="-128"/>
+              </a:rPr>
+              <a:t>の </a:t>
+            </a:r>
+            <a:r>
+              <a:rPr lang="en-US" altLang="ja-JP" dirty="0">
+                <a:latin typeface="Gen Shin Gothic Medium" panose="020B0402020203020207" pitchFamily="34" charset="-128"/>
+                <a:ea typeface="Gen Shin Gothic Medium" panose="020B0402020203020207" pitchFamily="34" charset="-128"/>
+                <a:cs typeface="Gen Shin Gothic Medium" panose="020B0402020203020207" pitchFamily="34" charset="-128"/>
+              </a:rPr>
+              <a:t>GUI </a:t>
+            </a:r>
+            <a:r>
+              <a:rPr lang="ja-JP" altLang="en-US" dirty="0">
+                <a:latin typeface="Gen Shin Gothic Medium" panose="020B0402020203020207" pitchFamily="34" charset="-128"/>
+                <a:ea typeface="Gen Shin Gothic Medium" panose="020B0402020203020207" pitchFamily="34" charset="-128"/>
+                <a:cs typeface="Gen Shin Gothic Medium" panose="020B0402020203020207" pitchFamily="34" charset="-128"/>
+              </a:rPr>
+              <a:t>ツールもできた</a:t>
             </a:r>
             <a:endParaRPr lang="en-US" altLang="ja-JP" dirty="0">
               <a:latin typeface="Gen Shin Gothic Medium" panose="020B0402020203020207" pitchFamily="34" charset="-128"/>
@@ -5754,85 +5470,106 @@
             </a:endParaRPr>
           </a:p>
           <a:p>
-            <a:pPr>
+            <a:pPr marL="585788" indent="-354013">
               <a:lnSpc>
                 <a:spcPct val="150000"/>
               </a:lnSpc>
+              <a:tabLst>
+                <a:tab pos="487363" algn="l"/>
+              </a:tabLst>
             </a:pPr>
             <a:r>
-              <a:rPr lang="en-US" altLang="ja-JP" dirty="0" smtClean="0">
-                <a:latin typeface="Gen Shin Gothic Medium" panose="020B0402020203020207" pitchFamily="34" charset="-128"/>
-                <a:ea typeface="Gen Shin Gothic Medium" panose="020B0402020203020207" pitchFamily="34" charset="-128"/>
-                <a:cs typeface="Gen Shin Gothic Medium" panose="020B0402020203020207" pitchFamily="34" charset="-128"/>
-              </a:rPr>
-              <a:t>GitHub Desktop : </a:t>
-            </a:r>
-            <a:r>
-              <a:rPr lang="en-US" altLang="ja-JP" dirty="0" err="1" smtClean="0">
-                <a:latin typeface="Gen Shin Gothic Medium" panose="020B0402020203020207" pitchFamily="34" charset="-128"/>
-                <a:ea typeface="Gen Shin Gothic Medium" panose="020B0402020203020207" pitchFamily="34" charset="-128"/>
-                <a:cs typeface="Gen Shin Gothic Medium" panose="020B0402020203020207" pitchFamily="34" charset="-128"/>
-              </a:rPr>
-              <a:t>desktop.github.com</a:t>
-            </a:r>
-            <a:endParaRPr lang="en-US" altLang="ja-JP" dirty="0" smtClean="0">
-              <a:latin typeface="Gen Shin Gothic Medium" panose="020B0402020203020207" pitchFamily="34" charset="-128"/>
-              <a:ea typeface="Gen Shin Gothic Medium" panose="020B0402020203020207" pitchFamily="34" charset="-128"/>
-              <a:cs typeface="Gen Shin Gothic Medium" panose="020B0402020203020207" pitchFamily="34" charset="-128"/>
-            </a:endParaRPr>
-          </a:p>
-          <a:p>
-            <a:pPr marL="0" indent="0">
-              <a:lnSpc>
-                <a:spcPct val="150000"/>
-              </a:lnSpc>
-              <a:buNone/>
-            </a:pPr>
-            <a:r>
-              <a:rPr lang="ja-JP" altLang="en-US" dirty="0" smtClean="0">
-                <a:latin typeface="Gen Shin Gothic Medium" panose="020B0402020203020207" pitchFamily="34" charset="-128"/>
-                <a:ea typeface="Gen Shin Gothic Medium" panose="020B0402020203020207" pitchFamily="34" charset="-128"/>
-                <a:cs typeface="Gen Shin Gothic Medium" panose="020B0402020203020207" pitchFamily="34" charset="-128"/>
-              </a:rPr>
-              <a:t>ただし </a:t>
-            </a:r>
-            <a:r>
-              <a:rPr lang="en-US" altLang="ja-JP" dirty="0" err="1" smtClean="0">
-                <a:latin typeface="Gen Shin Gothic Medium" panose="020B0402020203020207" pitchFamily="34" charset="-128"/>
-                <a:ea typeface="Gen Shin Gothic Medium" panose="020B0402020203020207" pitchFamily="34" charset="-128"/>
-                <a:cs typeface="Gen Shin Gothic Medium" panose="020B0402020203020207" pitchFamily="34" charset="-128"/>
-              </a:rPr>
-              <a:t>git</a:t>
-            </a:r>
-            <a:r>
-              <a:rPr lang="en-US" altLang="ja-JP" dirty="0" smtClean="0">
-                <a:latin typeface="Gen Shin Gothic Medium" panose="020B0402020203020207" pitchFamily="34" charset="-128"/>
-                <a:ea typeface="Gen Shin Gothic Medium" panose="020B0402020203020207" pitchFamily="34" charset="-128"/>
-                <a:cs typeface="Gen Shin Gothic Medium" panose="020B0402020203020207" pitchFamily="34" charset="-128"/>
-              </a:rPr>
-              <a:t> </a:t>
-            </a:r>
-            <a:r>
-              <a:rPr lang="ja-JP" altLang="en-US" dirty="0">
-                <a:latin typeface="Gen Shin Gothic Medium" panose="020B0402020203020207" pitchFamily="34" charset="-128"/>
-                <a:ea typeface="Gen Shin Gothic Medium" panose="020B0402020203020207" pitchFamily="34" charset="-128"/>
-                <a:cs typeface="Gen Shin Gothic Medium" panose="020B0402020203020207" pitchFamily="34" charset="-128"/>
-              </a:rPr>
-              <a:t>の機能をフルに使うならば </a:t>
-            </a:r>
-            <a:r>
-              <a:rPr lang="en-US" altLang="ja-JP" dirty="0" smtClean="0">
-                <a:latin typeface="Gen Shin Gothic Medium" panose="020B0402020203020207" pitchFamily="34" charset="-128"/>
-                <a:ea typeface="Gen Shin Gothic Medium" panose="020B0402020203020207" pitchFamily="34" charset="-128"/>
-                <a:cs typeface="Gen Shin Gothic Medium" panose="020B0402020203020207" pitchFamily="34" charset="-128"/>
-              </a:rPr>
-              <a:t>CLI</a:t>
+              <a:rPr lang="en-US" altLang="ja-JP" dirty="0">
+                <a:latin typeface="Gen Shin Gothic Medium" panose="020B0402020203020207" pitchFamily="34" charset="-128"/>
+                <a:ea typeface="Gen Shin Gothic Medium" panose="020B0402020203020207" pitchFamily="34" charset="-128"/>
+                <a:cs typeface="Gen Shin Gothic Medium" panose="020B0402020203020207" pitchFamily="34" charset="-128"/>
+              </a:rPr>
+              <a:t>SourceTree : </a:t>
+            </a:r>
+            <a:r>
+              <a:rPr lang="en-US" altLang="ja-JP" dirty="0" err="1">
+                <a:latin typeface="Gen Shin Gothic Medium" panose="020B0402020203020207" pitchFamily="34" charset="-128"/>
+                <a:ea typeface="Gen Shin Gothic Medium" panose="020B0402020203020207" pitchFamily="34" charset="-128"/>
+                <a:cs typeface="Gen Shin Gothic Medium" panose="020B0402020203020207" pitchFamily="34" charset="-128"/>
+              </a:rPr>
+              <a:t>www.sourcetreeapp.com</a:t>
             </a:r>
             <a:endParaRPr lang="en-US" altLang="ja-JP" dirty="0">
               <a:latin typeface="Gen Shin Gothic Medium" panose="020B0402020203020207" pitchFamily="34" charset="-128"/>
               <a:ea typeface="Gen Shin Gothic Medium" panose="020B0402020203020207" pitchFamily="34" charset="-128"/>
               <a:cs typeface="Gen Shin Gothic Medium" panose="020B0402020203020207" pitchFamily="34" charset="-128"/>
             </a:endParaRPr>
+          </a:p>
+          <a:p>
+            <a:pPr marL="585788" indent="-354013">
+              <a:lnSpc>
+                <a:spcPct val="150000"/>
+              </a:lnSpc>
+              <a:tabLst>
+                <a:tab pos="487363" algn="l"/>
+              </a:tabLst>
+            </a:pPr>
+            <a:r>
+              <a:rPr lang="en-US" altLang="ja-JP" dirty="0">
+                <a:latin typeface="Gen Shin Gothic Medium" panose="020B0402020203020207" pitchFamily="34" charset="-128"/>
+                <a:ea typeface="Gen Shin Gothic Medium" panose="020B0402020203020207" pitchFamily="34" charset="-128"/>
+                <a:cs typeface="Gen Shin Gothic Medium" panose="020B0402020203020207" pitchFamily="34" charset="-128"/>
+              </a:rPr>
+              <a:t>GitHub Desktop : </a:t>
+            </a:r>
+            <a:r>
+              <a:rPr lang="en-US" altLang="ja-JP" dirty="0" err="1">
+                <a:latin typeface="Gen Shin Gothic Medium" panose="020B0402020203020207" pitchFamily="34" charset="-128"/>
+                <a:ea typeface="Gen Shin Gothic Medium" panose="020B0402020203020207" pitchFamily="34" charset="-128"/>
+                <a:cs typeface="Gen Shin Gothic Medium" panose="020B0402020203020207" pitchFamily="34" charset="-128"/>
+              </a:rPr>
+              <a:t>desktop.github.com</a:t>
+            </a:r>
+            <a:endParaRPr lang="en-US" altLang="ja-JP" dirty="0">
+              <a:latin typeface="Gen Shin Gothic Medium" panose="020B0402020203020207" pitchFamily="34" charset="-128"/>
+              <a:ea typeface="Gen Shin Gothic Medium" panose="020B0402020203020207" pitchFamily="34" charset="-128"/>
+              <a:cs typeface="Gen Shin Gothic Medium" panose="020B0402020203020207" pitchFamily="34" charset="-128"/>
+            </a:endParaRPr>
+          </a:p>
+          <a:p>
+            <a:pPr marL="0" indent="0">
+              <a:lnSpc>
+                <a:spcPct val="150000"/>
+              </a:lnSpc>
+              <a:buNone/>
+            </a:pPr>
+            <a:r>
+              <a:rPr lang="ja-JP" altLang="en-US" dirty="0">
+                <a:latin typeface="Gen Shin Gothic Medium" panose="020B0402020203020207" pitchFamily="34" charset="-128"/>
+                <a:ea typeface="Gen Shin Gothic Medium" panose="020B0402020203020207" pitchFamily="34" charset="-128"/>
+                <a:cs typeface="Gen Shin Gothic Medium" panose="020B0402020203020207" pitchFamily="34" charset="-128"/>
+              </a:rPr>
+              <a:t>ただし </a:t>
+            </a:r>
+            <a:r>
+              <a:rPr lang="en-US" altLang="ja-JP" dirty="0">
+                <a:latin typeface="Gen Shin Gothic Medium" panose="020B0402020203020207" pitchFamily="34" charset="-128"/>
+                <a:ea typeface="Gen Shin Gothic Medium" panose="020B0402020203020207" pitchFamily="34" charset="-128"/>
+                <a:cs typeface="Gen Shin Gothic Medium" panose="020B0402020203020207" pitchFamily="34" charset="-128"/>
+              </a:rPr>
+              <a:t>git </a:t>
+            </a:r>
+            <a:r>
+              <a:rPr lang="ja-JP" altLang="en-US" dirty="0">
+                <a:latin typeface="Gen Shin Gothic Medium" panose="020B0402020203020207" pitchFamily="34" charset="-128"/>
+                <a:ea typeface="Gen Shin Gothic Medium" panose="020B0402020203020207" pitchFamily="34" charset="-128"/>
+                <a:cs typeface="Gen Shin Gothic Medium" panose="020B0402020203020207" pitchFamily="34" charset="-128"/>
+              </a:rPr>
+              <a:t>の機能をフルに使うならば </a:t>
+            </a:r>
+            <a:r>
+              <a:rPr lang="en-US" altLang="ja-JP" dirty="0">
+                <a:latin typeface="Gen Shin Gothic Medium" panose="020B0402020203020207" pitchFamily="34" charset="-128"/>
+                <a:ea typeface="Gen Shin Gothic Medium" panose="020B0402020203020207" pitchFamily="34" charset="-128"/>
+                <a:cs typeface="Gen Shin Gothic Medium" panose="020B0402020203020207" pitchFamily="34" charset="-128"/>
+              </a:rPr>
+              <a:t>CLI</a:t>
+            </a:r>
           </a:p>
           <a:p>
             <a:pPr marL="0" indent="0">
@@ -6117,49 +5854,9 @@
                 <a:ea typeface="Gen Shin Gothic Medium" panose="020B0402020203020207" pitchFamily="34" charset="-128"/>
                 <a:cs typeface="Gen Shin Gothic Medium" panose="020B0402020203020207" pitchFamily="34" charset="-128"/>
               </a:rPr>
-              <a:t>暗号</a:t>
-            </a:r>
-            <a:r>
-              <a:rPr lang="ja-JP" altLang="en-US" dirty="0" smtClean="0">
-                <a:latin typeface="Gen Shin Gothic Medium" panose="020B0402020203020207" pitchFamily="34" charset="-128"/>
-                <a:ea typeface="Gen Shin Gothic Medium" panose="020B0402020203020207" pitchFamily="34" charset="-128"/>
-                <a:cs typeface="Gen Shin Gothic Medium" panose="020B0402020203020207" pitchFamily="34" charset="-128"/>
-              </a:rPr>
-              <a:t>通信</a:t>
-            </a:r>
-            <a:r>
-              <a:rPr lang="ja-JP" altLang="en-US" dirty="0">
-                <a:latin typeface="Gen Shin Gothic Medium" panose="020B0402020203020207" pitchFamily="34" charset="-128"/>
-                <a:ea typeface="Gen Shin Gothic Medium" panose="020B0402020203020207" pitchFamily="34" charset="-128"/>
-                <a:cs typeface="Gen Shin Gothic Medium" panose="020B0402020203020207" pitchFamily="34" charset="-128"/>
-              </a:rPr>
-              <a:t>で</a:t>
-            </a:r>
-            <a:r>
-              <a:rPr lang="ja-JP" altLang="en-US" dirty="0" smtClean="0">
-                <a:latin typeface="Gen Shin Gothic Medium" panose="020B0402020203020207" pitchFamily="34" charset="-128"/>
-                <a:ea typeface="Gen Shin Gothic Medium" panose="020B0402020203020207" pitchFamily="34" charset="-128"/>
-                <a:cs typeface="Gen Shin Gothic Medium" panose="020B0402020203020207" pitchFamily="34" charset="-128"/>
-              </a:rPr>
-              <a:t>安全</a:t>
-            </a:r>
-            <a:r>
-              <a:rPr lang="ja-JP" altLang="en-US" dirty="0">
-                <a:latin typeface="Gen Shin Gothic Medium" panose="020B0402020203020207" pitchFamily="34" charset="-128"/>
-                <a:ea typeface="Gen Shin Gothic Medium" panose="020B0402020203020207" pitchFamily="34" charset="-128"/>
-                <a:cs typeface="Gen Shin Gothic Medium" panose="020B0402020203020207" pitchFamily="34" charset="-128"/>
-              </a:rPr>
-              <a:t>にデータのやり取りを</a:t>
-            </a:r>
-            <a:r>
-              <a:rPr lang="ja-JP" altLang="en-US" dirty="0" smtClean="0">
-                <a:latin typeface="Gen Shin Gothic Medium" panose="020B0402020203020207" pitchFamily="34" charset="-128"/>
-                <a:ea typeface="Gen Shin Gothic Medium" panose="020B0402020203020207" pitchFamily="34" charset="-128"/>
-                <a:cs typeface="Gen Shin Gothic Medium" panose="020B0402020203020207" pitchFamily="34" charset="-128"/>
-              </a:rPr>
-              <a:t>行う仕組み</a:t>
-            </a:r>
-            <a:endParaRPr lang="en-US" altLang="ja-JP" dirty="0" smtClean="0">
+              <a:t>暗号通信で安全にデータのやり取りを行う仕組み</a:t>
+            </a:r>
+            <a:endParaRPr lang="en-US" altLang="ja-JP" dirty="0">
               <a:latin typeface="Gen Shin Gothic Medium" panose="020B0402020203020207" pitchFamily="34" charset="-128"/>
               <a:ea typeface="Gen Shin Gothic Medium" panose="020B0402020203020207" pitchFamily="34" charset="-128"/>
               <a:cs typeface="Gen Shin Gothic Medium" panose="020B0402020203020207" pitchFamily="34" charset="-128"/>
@@ -6176,20 +5873,12 @@
               <a:buNone/>
             </a:pPr>
             <a:r>
-              <a:rPr lang="ja-JP" altLang="en-US" dirty="0" smtClean="0">
-                <a:latin typeface="Gen Shin Gothic Medium" panose="020B0402020203020207" pitchFamily="34" charset="-128"/>
-                <a:ea typeface="Gen Shin Gothic Medium" panose="020B0402020203020207" pitchFamily="34" charset="-128"/>
-                <a:cs typeface="Gen Shin Gothic Medium" panose="020B0402020203020207" pitchFamily="34" charset="-128"/>
-              </a:rPr>
-              <a:t>送受信先に</a:t>
-            </a:r>
-            <a:r>
               <a:rPr lang="ja-JP" altLang="en-US" dirty="0">
                 <a:latin typeface="Gen Shin Gothic Medium" panose="020B0402020203020207" pitchFamily="34" charset="-128"/>
                 <a:ea typeface="Gen Shin Gothic Medium" panose="020B0402020203020207" pitchFamily="34" charset="-128"/>
                 <a:cs typeface="Gen Shin Gothic Medium" panose="020B0402020203020207" pitchFamily="34" charset="-128"/>
               </a:rPr>
-              <a:t>「鍵」を登録する必要がある</a:t>
+              <a:t>送受信先に「鍵」を登録する必要がある</a:t>
             </a:r>
             <a:endParaRPr lang="en-US" altLang="ja-JP" dirty="0">
               <a:latin typeface="Gen Shin Gothic Medium" panose="020B0402020203020207" pitchFamily="34" charset="-128"/>
@@ -6212,30 +5901,22 @@
               <a:buNone/>
             </a:pPr>
             <a:r>
-              <a:rPr lang="en-US" altLang="ja-JP" dirty="0" err="1" smtClean="0">
-                <a:latin typeface="Gen Shin Gothic Medium" panose="020B0402020203020207" pitchFamily="34" charset="-128"/>
-                <a:ea typeface="Gen Shin Gothic Medium" panose="020B0402020203020207" pitchFamily="34" charset="-128"/>
-                <a:cs typeface="Gen Shin Gothic Medium" panose="020B0402020203020207" pitchFamily="34" charset="-128"/>
-              </a:rPr>
-              <a:t>git</a:t>
-            </a:r>
-            <a:r>
-              <a:rPr lang="en-US" altLang="ja-JP" dirty="0" smtClean="0">
-                <a:latin typeface="Gen Shin Gothic Medium" panose="020B0402020203020207" pitchFamily="34" charset="-128"/>
-                <a:ea typeface="Gen Shin Gothic Medium" panose="020B0402020203020207" pitchFamily="34" charset="-128"/>
-                <a:cs typeface="Gen Shin Gothic Medium" panose="020B0402020203020207" pitchFamily="34" charset="-128"/>
-              </a:rPr>
-              <a:t> </a:t>
-            </a:r>
-            <a:r>
-              <a:rPr lang="ja-JP" altLang="en-US" dirty="0" smtClean="0">
+              <a:rPr lang="en-US" altLang="ja-JP" dirty="0">
+                <a:latin typeface="Gen Shin Gothic Medium" panose="020B0402020203020207" pitchFamily="34" charset="-128"/>
+                <a:ea typeface="Gen Shin Gothic Medium" panose="020B0402020203020207" pitchFamily="34" charset="-128"/>
+                <a:cs typeface="Gen Shin Gothic Medium" panose="020B0402020203020207" pitchFamily="34" charset="-128"/>
+              </a:rPr>
+              <a:t>git </a:t>
+            </a:r>
+            <a:r>
+              <a:rPr lang="ja-JP" altLang="en-US" dirty="0">
                 <a:latin typeface="Gen Shin Gothic Medium" panose="020B0402020203020207" pitchFamily="34" charset="-128"/>
                 <a:ea typeface="Gen Shin Gothic Medium" panose="020B0402020203020207" pitchFamily="34" charset="-128"/>
                 <a:cs typeface="Gen Shin Gothic Medium" panose="020B0402020203020207" pitchFamily="34" charset="-128"/>
               </a:rPr>
               <a:t>はデータの送受信が可能</a:t>
             </a:r>
-            <a:endParaRPr lang="en-US" altLang="ja-JP" dirty="0" smtClean="0">
+            <a:endParaRPr lang="en-US" altLang="ja-JP" dirty="0">
               <a:latin typeface="Gen Shin Gothic Medium" panose="020B0402020203020207" pitchFamily="34" charset="-128"/>
               <a:ea typeface="Gen Shin Gothic Medium" panose="020B0402020203020207" pitchFamily="34" charset="-128"/>
               <a:cs typeface="Gen Shin Gothic Medium" panose="020B0402020203020207" pitchFamily="34" charset="-128"/>
@@ -6246,30 +5927,14 @@
               <a:buNone/>
             </a:pPr>
             <a:r>
-              <a:rPr lang="ja-JP" altLang="en-US" dirty="0" smtClean="0">
-                <a:latin typeface="Gen Shin Gothic Medium" panose="020B0402020203020207" pitchFamily="34" charset="-128"/>
-                <a:ea typeface="Gen Shin Gothic Medium" panose="020B0402020203020207" pitchFamily="34" charset="-128"/>
-                <a:cs typeface="Gen Shin Gothic Medium" panose="020B0402020203020207" pitchFamily="34" charset="-128"/>
-              </a:rPr>
-              <a:t>なの</a:t>
-            </a:r>
-            <a:r>
               <a:rPr lang="ja-JP" altLang="en-US" dirty="0">
                 <a:latin typeface="Gen Shin Gothic Medium" panose="020B0402020203020207" pitchFamily="34" charset="-128"/>
                 <a:ea typeface="Gen Shin Gothic Medium" panose="020B0402020203020207" pitchFamily="34" charset="-128"/>
                 <a:cs typeface="Gen Shin Gothic Medium" panose="020B0402020203020207" pitchFamily="34" charset="-128"/>
               </a:rPr>
-              <a:t>で</a:t>
-            </a:r>
-            <a:r>
-              <a:rPr lang="ja-JP" altLang="en-US" dirty="0" smtClean="0">
-                <a:latin typeface="Gen Shin Gothic Medium" panose="020B0402020203020207" pitchFamily="34" charset="-128"/>
-                <a:ea typeface="Gen Shin Gothic Medium" panose="020B0402020203020207" pitchFamily="34" charset="-128"/>
-                <a:cs typeface="Gen Shin Gothic Medium" panose="020B0402020203020207" pitchFamily="34" charset="-128"/>
-              </a:rPr>
-              <a:t>、セキュリティについて考える必要がある</a:t>
-            </a:r>
-            <a:endParaRPr lang="en-US" altLang="ja-JP" dirty="0" smtClean="0">
+              <a:t>なので、セキュリティについて考える必要がある</a:t>
+            </a:r>
+            <a:endParaRPr lang="en-US" altLang="ja-JP" dirty="0">
               <a:latin typeface="Gen Shin Gothic Medium" panose="020B0402020203020207" pitchFamily="34" charset="-128"/>
               <a:ea typeface="Gen Shin Gothic Medium" panose="020B0402020203020207" pitchFamily="34" charset="-128"/>
               <a:cs typeface="Gen Shin Gothic Medium" panose="020B0402020203020207" pitchFamily="34" charset="-128"/>
@@ -6556,17 +6221,9 @@
                 <a:ea typeface="Gen Shin Gothic Medium" panose="020B0402020203020207" pitchFamily="34" charset="-128"/>
                 <a:cs typeface="Gen Shin Gothic Medium" panose="020B0402020203020207" pitchFamily="34" charset="-128"/>
               </a:rPr>
-              <a:t>より安全にウェブサービスにログイン</a:t>
-            </a:r>
-            <a:r>
-              <a:rPr lang="ja-JP" altLang="en-US" dirty="0" smtClean="0">
-                <a:latin typeface="Gen Shin Gothic Medium" panose="020B0402020203020207" pitchFamily="34" charset="-128"/>
-                <a:ea typeface="Gen Shin Gothic Medium" panose="020B0402020203020207" pitchFamily="34" charset="-128"/>
-                <a:cs typeface="Gen Shin Gothic Medium" panose="020B0402020203020207" pitchFamily="34" charset="-128"/>
-              </a:rPr>
-              <a:t>する仕組み</a:t>
-            </a:r>
-            <a:endParaRPr lang="en-US" altLang="ja-JP" dirty="0" smtClean="0">
+              <a:t>より安全にウェブサービスにログインする仕組み</a:t>
+            </a:r>
+            <a:endParaRPr lang="en-US" altLang="ja-JP" dirty="0">
               <a:latin typeface="Gen Shin Gothic Medium" panose="020B0402020203020207" pitchFamily="34" charset="-128"/>
               <a:ea typeface="Gen Shin Gothic Medium" panose="020B0402020203020207" pitchFamily="34" charset="-128"/>
               <a:cs typeface="Gen Shin Gothic Medium" panose="020B0402020203020207" pitchFamily="34" charset="-128"/>
@@ -6587,30 +6244,27 @@
               <a:buNone/>
             </a:pPr>
             <a:r>
-              <a:rPr lang="ja-JP" altLang="en-US" dirty="0" smtClean="0">
-                <a:latin typeface="Gen Shin Gothic Medium" panose="020B0402020203020207" pitchFamily="34" charset="-128"/>
-                <a:ea typeface="Gen Shin Gothic Medium" panose="020B0402020203020207" pitchFamily="34" charset="-128"/>
-                <a:cs typeface="Gen Shin Gothic Medium" panose="020B0402020203020207" pitchFamily="34" charset="-128"/>
-              </a:rPr>
-              <a:t>ログイン時にパスワード</a:t>
-            </a:r>
-            <a:r>
               <a:rPr lang="ja-JP" altLang="en-US" dirty="0">
                 <a:latin typeface="Gen Shin Gothic Medium" panose="020B0402020203020207" pitchFamily="34" charset="-128"/>
                 <a:ea typeface="Gen Shin Gothic Medium" panose="020B0402020203020207" pitchFamily="34" charset="-128"/>
                 <a:cs typeface="Gen Shin Gothic Medium" panose="020B0402020203020207" pitchFamily="34" charset="-128"/>
               </a:rPr>
-              <a:t>の他</a:t>
-            </a:r>
-            <a:r>
-              <a:rPr lang="ja-JP" altLang="en-US" dirty="0" smtClean="0">
-                <a:latin typeface="Gen Shin Gothic Medium" panose="020B0402020203020207" pitchFamily="34" charset="-128"/>
-                <a:ea typeface="Gen Shin Gothic Medium" panose="020B0402020203020207" pitchFamily="34" charset="-128"/>
-                <a:cs typeface="Gen Shin Gothic Medium" panose="020B0402020203020207" pitchFamily="34" charset="-128"/>
-              </a:rPr>
-              <a:t>に認証コードを使う</a:t>
-            </a:r>
-            <a:endParaRPr lang="ja-JP" altLang="en-US" dirty="0">
+              <a:t>ログイン時にパスワードの他に認証コードを使う</a:t>
+            </a:r>
+          </a:p>
+          <a:p>
+            <a:pPr marL="0" indent="0">
+              <a:buNone/>
+            </a:pPr>
+            <a:r>
+              <a:rPr lang="ja-JP" altLang="en-US" dirty="0">
+                <a:latin typeface="Gen Shin Gothic Medium" panose="020B0402020203020207" pitchFamily="34" charset="-128"/>
+                <a:ea typeface="Gen Shin Gothic Medium" panose="020B0402020203020207" pitchFamily="34" charset="-128"/>
+                <a:cs typeface="Gen Shin Gothic Medium" panose="020B0402020203020207" pitchFamily="34" charset="-128"/>
+              </a:rPr>
+              <a:t>このコードは十数秒で変化するが、なんらかの方法で本人とだけ同期する</a:t>
+            </a:r>
+            <a:endParaRPr lang="en-US" altLang="ja-JP" dirty="0">
               <a:latin typeface="Gen Shin Gothic Medium" panose="020B0402020203020207" pitchFamily="34" charset="-128"/>
               <a:ea typeface="Gen Shin Gothic Medium" panose="020B0402020203020207" pitchFamily="34" charset="-128"/>
               <a:cs typeface="Gen Shin Gothic Medium" panose="020B0402020203020207" pitchFamily="34" charset="-128"/>
@@ -6626,71 +6280,8 @@
                 <a:ea typeface="Gen Shin Gothic Medium" panose="020B0402020203020207" pitchFamily="34" charset="-128"/>
                 <a:cs typeface="Gen Shin Gothic Medium" panose="020B0402020203020207" pitchFamily="34" charset="-128"/>
               </a:rPr>
-              <a:t>このコードは十数秒</a:t>
-            </a:r>
-            <a:r>
-              <a:rPr lang="ja-JP" altLang="en-US" dirty="0" smtClean="0">
-                <a:latin typeface="Gen Shin Gothic Medium" panose="020B0402020203020207" pitchFamily="34" charset="-128"/>
-                <a:ea typeface="Gen Shin Gothic Medium" panose="020B0402020203020207" pitchFamily="34" charset="-128"/>
-                <a:cs typeface="Gen Shin Gothic Medium" panose="020B0402020203020207" pitchFamily="34" charset="-128"/>
-              </a:rPr>
-              <a:t>で変化するが、なんらか</a:t>
-            </a:r>
-            <a:r>
-              <a:rPr lang="ja-JP" altLang="en-US" dirty="0">
-                <a:latin typeface="Gen Shin Gothic Medium" panose="020B0402020203020207" pitchFamily="34" charset="-128"/>
-                <a:ea typeface="Gen Shin Gothic Medium" panose="020B0402020203020207" pitchFamily="34" charset="-128"/>
-                <a:cs typeface="Gen Shin Gothic Medium" panose="020B0402020203020207" pitchFamily="34" charset="-128"/>
-              </a:rPr>
-              <a:t>の方法で本人とだけ同期</a:t>
-            </a:r>
-            <a:r>
-              <a:rPr lang="ja-JP" altLang="en-US" dirty="0" smtClean="0">
-                <a:latin typeface="Gen Shin Gothic Medium" panose="020B0402020203020207" pitchFamily="34" charset="-128"/>
-                <a:ea typeface="Gen Shin Gothic Medium" panose="020B0402020203020207" pitchFamily="34" charset="-128"/>
-                <a:cs typeface="Gen Shin Gothic Medium" panose="020B0402020203020207" pitchFamily="34" charset="-128"/>
-              </a:rPr>
-              <a:t>する</a:t>
-            </a:r>
-            <a:endParaRPr lang="en-US" altLang="ja-JP" dirty="0" smtClean="0">
-              <a:latin typeface="Gen Shin Gothic Medium" panose="020B0402020203020207" pitchFamily="34" charset="-128"/>
-              <a:ea typeface="Gen Shin Gothic Medium" panose="020B0402020203020207" pitchFamily="34" charset="-128"/>
-              <a:cs typeface="Gen Shin Gothic Medium" panose="020B0402020203020207" pitchFamily="34" charset="-128"/>
-            </a:endParaRPr>
-          </a:p>
-          <a:p>
-            <a:pPr marL="0" indent="0">
-              <a:buNone/>
-            </a:pPr>
-            <a:r>
-              <a:rPr lang="ja-JP" altLang="en-US" dirty="0" smtClean="0">
-                <a:latin typeface="Gen Shin Gothic Medium" panose="020B0402020203020207" pitchFamily="34" charset="-128"/>
-                <a:ea typeface="Gen Shin Gothic Medium" panose="020B0402020203020207" pitchFamily="34" charset="-128"/>
-                <a:cs typeface="Gen Shin Gothic Medium" panose="020B0402020203020207" pitchFamily="34" charset="-128"/>
-              </a:rPr>
-              <a:t>それによりパスワード</a:t>
-            </a:r>
-            <a:r>
-              <a:rPr lang="ja-JP" altLang="en-US" dirty="0">
-                <a:latin typeface="Gen Shin Gothic Medium" panose="020B0402020203020207" pitchFamily="34" charset="-128"/>
-                <a:ea typeface="Gen Shin Gothic Medium" panose="020B0402020203020207" pitchFamily="34" charset="-128"/>
-                <a:cs typeface="Gen Shin Gothic Medium" panose="020B0402020203020207" pitchFamily="34" charset="-128"/>
-              </a:rPr>
-              <a:t>が流出して</a:t>
-            </a:r>
-            <a:r>
-              <a:rPr lang="ja-JP" altLang="en-US" dirty="0" smtClean="0">
-                <a:latin typeface="Gen Shin Gothic Medium" panose="020B0402020203020207" pitchFamily="34" charset="-128"/>
-                <a:ea typeface="Gen Shin Gothic Medium" panose="020B0402020203020207" pitchFamily="34" charset="-128"/>
-                <a:cs typeface="Gen Shin Gothic Medium" panose="020B0402020203020207" pitchFamily="34" charset="-128"/>
-              </a:rPr>
-              <a:t>もすぐにログインされない</a:t>
-            </a:r>
-            <a:endParaRPr lang="ja-JP" altLang="en-US" dirty="0">
-              <a:latin typeface="Gen Shin Gothic Medium" panose="020B0402020203020207" pitchFamily="34" charset="-128"/>
-              <a:ea typeface="Gen Shin Gothic Medium" panose="020B0402020203020207" pitchFamily="34" charset="-128"/>
-              <a:cs typeface="Gen Shin Gothic Medium" panose="020B0402020203020207" pitchFamily="34" charset="-128"/>
-            </a:endParaRPr>
+              <a:t>それによりパスワードが流出してもすぐにログインされない</a:t>
+            </a:r>
           </a:p>
         </p:txBody>
       </p:sp>
@@ -6962,20 +6553,12 @@
               </a:lnSpc>
             </a:pPr>
             <a:r>
-              <a:rPr lang="en-US" altLang="ja-JP" sz="2400" dirty="0" err="1" smtClean="0">
-                <a:latin typeface="Gen Shin Gothic Medium" panose="020B0402020203020207" pitchFamily="34" charset="-128"/>
-                <a:ea typeface="Gen Shin Gothic Medium" panose="020B0402020203020207" pitchFamily="34" charset="-128"/>
-                <a:cs typeface="Gen Shin Gothic Medium" panose="020B0402020203020207" pitchFamily="34" charset="-128"/>
-              </a:rPr>
-              <a:t>git</a:t>
-            </a:r>
-            <a:r>
-              <a:rPr lang="en-US" altLang="ja-JP" sz="2400" dirty="0" smtClean="0">
-                <a:latin typeface="Gen Shin Gothic Medium" panose="020B0402020203020207" pitchFamily="34" charset="-128"/>
-                <a:ea typeface="Gen Shin Gothic Medium" panose="020B0402020203020207" pitchFamily="34" charset="-128"/>
-                <a:cs typeface="Gen Shin Gothic Medium" panose="020B0402020203020207" pitchFamily="34" charset="-128"/>
-              </a:rPr>
-              <a:t> </a:t>
+              <a:rPr lang="en-US" altLang="ja-JP" sz="2400" dirty="0">
+                <a:latin typeface="Gen Shin Gothic Medium" panose="020B0402020203020207" pitchFamily="34" charset="-128"/>
+                <a:ea typeface="Gen Shin Gothic Medium" panose="020B0402020203020207" pitchFamily="34" charset="-128"/>
+                <a:cs typeface="Gen Shin Gothic Medium" panose="020B0402020203020207" pitchFamily="34" charset="-128"/>
+              </a:rPr>
+              <a:t>git </a:t>
             </a:r>
             <a:r>
               <a:rPr lang="ja-JP" altLang="en-US" sz="2400" dirty="0">
@@ -6993,20 +6576,12 @@
               </a:lnSpc>
             </a:pPr>
             <a:r>
-              <a:rPr lang="en-US" altLang="ja-JP" sz="2400" dirty="0" err="1" smtClean="0">
-                <a:latin typeface="Gen Shin Gothic Medium" panose="020B0402020203020207" pitchFamily="34" charset="-128"/>
-                <a:ea typeface="Gen Shin Gothic Medium" panose="020B0402020203020207" pitchFamily="34" charset="-128"/>
-                <a:cs typeface="Gen Shin Gothic Medium" panose="020B0402020203020207" pitchFamily="34" charset="-128"/>
-              </a:rPr>
-              <a:t>git</a:t>
-            </a:r>
-            <a:r>
-              <a:rPr lang="en-US" altLang="ja-JP" sz="2400" dirty="0" smtClean="0">
-                <a:latin typeface="Gen Shin Gothic Medium" panose="020B0402020203020207" pitchFamily="34" charset="-128"/>
-                <a:ea typeface="Gen Shin Gothic Medium" panose="020B0402020203020207" pitchFamily="34" charset="-128"/>
-                <a:cs typeface="Gen Shin Gothic Medium" panose="020B0402020203020207" pitchFamily="34" charset="-128"/>
-              </a:rPr>
-              <a:t> </a:t>
+              <a:rPr lang="en-US" altLang="ja-JP" sz="2400" dirty="0">
+                <a:latin typeface="Gen Shin Gothic Medium" panose="020B0402020203020207" pitchFamily="34" charset="-128"/>
+                <a:ea typeface="Gen Shin Gothic Medium" panose="020B0402020203020207" pitchFamily="34" charset="-128"/>
+                <a:cs typeface="Gen Shin Gothic Medium" panose="020B0402020203020207" pitchFamily="34" charset="-128"/>
+              </a:rPr>
+              <a:t>git </a:t>
             </a:r>
             <a:r>
               <a:rPr lang="ja-JP" altLang="en-US" sz="2400" dirty="0">
@@ -7056,20 +6631,12 @@
               </a:lnSpc>
             </a:pPr>
             <a:r>
-              <a:rPr lang="en-US" altLang="ja-JP" sz="2400" dirty="0" err="1" smtClean="0">
-                <a:latin typeface="Gen Shin Gothic Medium" panose="020B0402020203020207" pitchFamily="34" charset="-128"/>
-                <a:ea typeface="Gen Shin Gothic Medium" panose="020B0402020203020207" pitchFamily="34" charset="-128"/>
-                <a:cs typeface="Gen Shin Gothic Medium" panose="020B0402020203020207" pitchFamily="34" charset="-128"/>
-              </a:rPr>
-              <a:t>git</a:t>
-            </a:r>
-            <a:r>
-              <a:rPr lang="en-US" altLang="ja-JP" sz="2400" dirty="0" smtClean="0">
-                <a:latin typeface="Gen Shin Gothic Medium" panose="020B0402020203020207" pitchFamily="34" charset="-128"/>
-                <a:ea typeface="Gen Shin Gothic Medium" panose="020B0402020203020207" pitchFamily="34" charset="-128"/>
-                <a:cs typeface="Gen Shin Gothic Medium" panose="020B0402020203020207" pitchFamily="34" charset="-128"/>
-              </a:rPr>
-              <a:t> </a:t>
+              <a:rPr lang="en-US" altLang="ja-JP" sz="2400" dirty="0">
+                <a:latin typeface="Gen Shin Gothic Medium" panose="020B0402020203020207" pitchFamily="34" charset="-128"/>
+                <a:ea typeface="Gen Shin Gothic Medium" panose="020B0402020203020207" pitchFamily="34" charset="-128"/>
+                <a:cs typeface="Gen Shin Gothic Medium" panose="020B0402020203020207" pitchFamily="34" charset="-128"/>
+              </a:rPr>
+              <a:t>git </a:t>
             </a:r>
             <a:r>
               <a:rPr lang="ja-JP" altLang="en-US" sz="2400" dirty="0">
